--- a/ppt/PETS ADOPTION.pptx
+++ b/ppt/PETS ADOPTION.pptx
@@ -118,6 +118,10 @@
 </p:presentation>
 </file>
 
+<file path=ppt/revisionInfo.xml><?xml version="1.0" encoding="utf-8"?>
+<p1510:revInfo xmlns:a="http://schemas.openxmlformats.org/drawingml/2006/main" xmlns:r="http://schemas.openxmlformats.org/officeDocument/2006/relationships" xmlns:p1510="http://schemas.microsoft.com/office/powerpoint/2015/10/main"/>
+</file>
+
 <file path=ppt/slideLayouts/slideLayout1.xml><?xml version="1.0" encoding="utf-8"?>
 <p:sldLayout xmlns:a="http://schemas.openxmlformats.org/drawingml/2006/main" xmlns:r="http://schemas.openxmlformats.org/officeDocument/2006/relationships" xmlns:p="http://schemas.openxmlformats.org/presentationml/2006/main" type="title" preserve="1">
   <p:cSld name="Title Slide">
@@ -203,7 +207,7 @@
           </a:lstStyle>
           <a:p>
             <a:r>
-              <a:rPr lang="en-US" smtClean="0"/>
+              <a:rPr lang="en-US"/>
               <a:t>Click to edit Master title style</a:t>
             </a:r>
             <a:endParaRPr lang="en-US" dirty="0"/>
@@ -270,7 +274,7 @@
           </a:lstStyle>
           <a:p>
             <a:r>
-              <a:rPr lang="en-US" smtClean="0"/>
+              <a:rPr lang="en-US"/>
               <a:t>Click to edit Master subtitle style</a:t>
             </a:r>
             <a:endParaRPr lang="en-US" dirty="0"/>
@@ -294,7 +298,7 @@
           <a:p>
             <a:fld id="{96DFF08F-DC6B-4601-B491-B0F83F6DD2DA}" type="datetimeFigureOut">
               <a:rPr lang="en-US" dirty="0"/>
-              <a:t>5/22/2017</a:t>
+              <a:t>6/3/2017</a:t>
             </a:fld>
             <a:endParaRPr lang="en-US" dirty="0"/>
           </a:p>
@@ -383,7 +387,7 @@
           <a:lstStyle/>
           <a:p>
             <a:r>
-              <a:rPr lang="en-US" smtClean="0"/>
+              <a:rPr lang="en-US"/>
               <a:t>Click to edit Master title style</a:t>
             </a:r>
             <a:endParaRPr lang="en-US" dirty="0"/>
@@ -407,35 +411,35 @@
           <a:p>
             <a:pPr lvl="0"/>
             <a:r>
-              <a:rPr lang="en-US" smtClean="0"/>
+              <a:rPr lang="en-US"/>
               <a:t>Click to edit Master text styles</a:t>
             </a:r>
           </a:p>
           <a:p>
             <a:pPr lvl="1"/>
             <a:r>
-              <a:rPr lang="en-US" smtClean="0"/>
+              <a:rPr lang="en-US"/>
               <a:t>Second level</a:t>
             </a:r>
           </a:p>
           <a:p>
             <a:pPr lvl="2"/>
             <a:r>
-              <a:rPr lang="en-US" smtClean="0"/>
+              <a:rPr lang="en-US"/>
               <a:t>Third level</a:t>
             </a:r>
           </a:p>
           <a:p>
             <a:pPr lvl="3"/>
             <a:r>
-              <a:rPr lang="en-US" smtClean="0"/>
+              <a:rPr lang="en-US"/>
               <a:t>Fourth level</a:t>
             </a:r>
           </a:p>
           <a:p>
             <a:pPr lvl="4"/>
             <a:r>
-              <a:rPr lang="en-US" smtClean="0"/>
+              <a:rPr lang="en-US"/>
               <a:t>Fifth level</a:t>
             </a:r>
             <a:endParaRPr lang="en-US" dirty="0"/>
@@ -459,7 +463,7 @@
           <a:p>
             <a:fld id="{96DFF08F-DC6B-4601-B491-B0F83F6DD2DA}" type="datetimeFigureOut">
               <a:rPr lang="en-US" dirty="0"/>
-              <a:t>5/22/2017</a:t>
+              <a:t>6/3/2017</a:t>
             </a:fld>
             <a:endParaRPr lang="en-US" dirty="0"/>
           </a:p>
@@ -591,7 +595,7 @@
           <a:lstStyle/>
           <a:p>
             <a:r>
-              <a:rPr lang="en-US" smtClean="0"/>
+              <a:rPr lang="en-US"/>
               <a:t>Click to edit Master title style</a:t>
             </a:r>
             <a:endParaRPr lang="en-US" dirty="0"/>
@@ -620,35 +624,35 @@
           <a:p>
             <a:pPr lvl="0"/>
             <a:r>
-              <a:rPr lang="en-US" smtClean="0"/>
+              <a:rPr lang="en-US"/>
               <a:t>Click to edit Master text styles</a:t>
             </a:r>
           </a:p>
           <a:p>
             <a:pPr lvl="1"/>
             <a:r>
-              <a:rPr lang="en-US" smtClean="0"/>
+              <a:rPr lang="en-US"/>
               <a:t>Second level</a:t>
             </a:r>
           </a:p>
           <a:p>
             <a:pPr lvl="2"/>
             <a:r>
-              <a:rPr lang="en-US" smtClean="0"/>
+              <a:rPr lang="en-US"/>
               <a:t>Third level</a:t>
             </a:r>
           </a:p>
           <a:p>
             <a:pPr lvl="3"/>
             <a:r>
-              <a:rPr lang="en-US" smtClean="0"/>
+              <a:rPr lang="en-US"/>
               <a:t>Fourth level</a:t>
             </a:r>
           </a:p>
           <a:p>
             <a:pPr lvl="4"/>
             <a:r>
-              <a:rPr lang="en-US" smtClean="0"/>
+              <a:rPr lang="en-US"/>
               <a:t>Fifth level</a:t>
             </a:r>
             <a:endParaRPr lang="en-US" dirty="0"/>
@@ -677,7 +681,7 @@
           <a:p>
             <a:fld id="{96DFF08F-DC6B-4601-B491-B0F83F6DD2DA}" type="datetimeFigureOut">
               <a:rPr lang="en-US" dirty="0"/>
-              <a:t>5/22/2017</a:t>
+              <a:t>6/3/2017</a:t>
             </a:fld>
             <a:endParaRPr lang="en-US" dirty="0"/>
           </a:p>
@@ -776,7 +780,7 @@
           <a:lstStyle/>
           <a:p>
             <a:r>
-              <a:rPr lang="en-US" smtClean="0"/>
+              <a:rPr lang="en-US"/>
               <a:t>Click to edit Master title style</a:t>
             </a:r>
             <a:endParaRPr lang="en-US" dirty="0"/>
@@ -800,35 +804,35 @@
           <a:p>
             <a:pPr lvl="0"/>
             <a:r>
-              <a:rPr lang="en-US" smtClean="0"/>
+              <a:rPr lang="en-US"/>
               <a:t>Click to edit Master text styles</a:t>
             </a:r>
           </a:p>
           <a:p>
             <a:pPr lvl="1"/>
             <a:r>
-              <a:rPr lang="en-US" smtClean="0"/>
+              <a:rPr lang="en-US"/>
               <a:t>Second level</a:t>
             </a:r>
           </a:p>
           <a:p>
             <a:pPr lvl="2"/>
             <a:r>
-              <a:rPr lang="en-US" smtClean="0"/>
+              <a:rPr lang="en-US"/>
               <a:t>Third level</a:t>
             </a:r>
           </a:p>
           <a:p>
             <a:pPr lvl="3"/>
             <a:r>
-              <a:rPr lang="en-US" smtClean="0"/>
+              <a:rPr lang="en-US"/>
               <a:t>Fourth level</a:t>
             </a:r>
           </a:p>
           <a:p>
             <a:pPr lvl="4"/>
             <a:r>
-              <a:rPr lang="en-US" smtClean="0"/>
+              <a:rPr lang="en-US"/>
               <a:t>Fifth level</a:t>
             </a:r>
             <a:endParaRPr lang="en-US" dirty="0"/>
@@ -852,7 +856,7 @@
           <a:p>
             <a:fld id="{96DFF08F-DC6B-4601-B491-B0F83F6DD2DA}" type="datetimeFigureOut">
               <a:rPr lang="en-US" dirty="0"/>
-              <a:t>5/22/2017</a:t>
+              <a:t>6/3/2017</a:t>
             </a:fld>
             <a:endParaRPr lang="en-US" dirty="0"/>
           </a:p>
@@ -997,7 +1001,7 @@
           </a:lstStyle>
           <a:p>
             <a:r>
-              <a:rPr lang="en-US" smtClean="0"/>
+              <a:rPr lang="en-US"/>
               <a:t>Click to edit Master title style</a:t>
             </a:r>
             <a:endParaRPr lang="en-US" dirty="0"/>
@@ -1117,7 +1121,7 @@
           <a:p>
             <a:pPr lvl="0"/>
             <a:r>
-              <a:rPr lang="en-US" smtClean="0"/>
+              <a:rPr lang="en-US"/>
               <a:t>Click to edit Master text styles</a:t>
             </a:r>
           </a:p>
@@ -1149,7 +1153,7 @@
             <a:fld id="{96DFF08F-DC6B-4601-B491-B0F83F6DD2DA}" type="datetimeFigureOut">
               <a:rPr lang="en-US" dirty="0"/>
               <a:pPr/>
-              <a:t>5/22/2017</a:t>
+              <a:t>6/3/2017</a:t>
             </a:fld>
             <a:endParaRPr lang="en-US" dirty="0"/>
           </a:p>
@@ -1255,7 +1259,7 @@
           <a:lstStyle/>
           <a:p>
             <a:r>
-              <a:rPr lang="en-US" smtClean="0"/>
+              <a:rPr lang="en-US"/>
               <a:t>Click to edit Master title style</a:t>
             </a:r>
             <a:endParaRPr lang="en-US" dirty="0"/>
@@ -1312,35 +1316,35 @@
           <a:p>
             <a:pPr lvl="0"/>
             <a:r>
-              <a:rPr lang="en-US" smtClean="0"/>
+              <a:rPr lang="en-US"/>
               <a:t>Click to edit Master text styles</a:t>
             </a:r>
           </a:p>
           <a:p>
             <a:pPr lvl="1"/>
             <a:r>
-              <a:rPr lang="en-US" smtClean="0"/>
+              <a:rPr lang="en-US"/>
               <a:t>Second level</a:t>
             </a:r>
           </a:p>
           <a:p>
             <a:pPr lvl="2"/>
             <a:r>
-              <a:rPr lang="en-US" smtClean="0"/>
+              <a:rPr lang="en-US"/>
               <a:t>Third level</a:t>
             </a:r>
           </a:p>
           <a:p>
             <a:pPr lvl="3"/>
             <a:r>
-              <a:rPr lang="en-US" smtClean="0"/>
+              <a:rPr lang="en-US"/>
               <a:t>Fourth level</a:t>
             </a:r>
           </a:p>
           <a:p>
             <a:pPr lvl="4"/>
             <a:r>
-              <a:rPr lang="en-US" smtClean="0"/>
+              <a:rPr lang="en-US"/>
               <a:t>Fifth level</a:t>
             </a:r>
             <a:endParaRPr lang="en-US" dirty="0"/>
@@ -1397,35 +1401,35 @@
           <a:p>
             <a:pPr lvl="0"/>
             <a:r>
-              <a:rPr lang="en-US" smtClean="0"/>
+              <a:rPr lang="en-US"/>
               <a:t>Click to edit Master text styles</a:t>
             </a:r>
           </a:p>
           <a:p>
             <a:pPr lvl="1"/>
             <a:r>
-              <a:rPr lang="en-US" smtClean="0"/>
+              <a:rPr lang="en-US"/>
               <a:t>Second level</a:t>
             </a:r>
           </a:p>
           <a:p>
             <a:pPr lvl="2"/>
             <a:r>
-              <a:rPr lang="en-US" smtClean="0"/>
+              <a:rPr lang="en-US"/>
               <a:t>Third level</a:t>
             </a:r>
           </a:p>
           <a:p>
             <a:pPr lvl="3"/>
             <a:r>
-              <a:rPr lang="en-US" smtClean="0"/>
+              <a:rPr lang="en-US"/>
               <a:t>Fourth level</a:t>
             </a:r>
           </a:p>
           <a:p>
             <a:pPr lvl="4"/>
             <a:r>
-              <a:rPr lang="en-US" smtClean="0"/>
+              <a:rPr lang="en-US"/>
               <a:t>Fifth level</a:t>
             </a:r>
             <a:endParaRPr lang="en-US" dirty="0"/>
@@ -1449,7 +1453,7 @@
           <a:p>
             <a:fld id="{96DFF08F-DC6B-4601-B491-B0F83F6DD2DA}" type="datetimeFigureOut">
               <a:rPr lang="en-US" dirty="0"/>
-              <a:t>5/22/2017</a:t>
+              <a:t>6/3/2017</a:t>
             </a:fld>
             <a:endParaRPr lang="en-US" dirty="0"/>
           </a:p>
@@ -1538,7 +1542,7 @@
           <a:lstStyle/>
           <a:p>
             <a:r>
-              <a:rPr lang="en-US" smtClean="0"/>
+              <a:rPr lang="en-US"/>
               <a:t>Click to edit Master title style</a:t>
             </a:r>
             <a:endParaRPr lang="en-US" dirty="0"/>
@@ -1606,7 +1610,7 @@
           <a:p>
             <a:pPr lvl="0"/>
             <a:r>
-              <a:rPr lang="en-US" smtClean="0"/>
+              <a:rPr lang="en-US"/>
               <a:t>Click to edit Master text styles</a:t>
             </a:r>
           </a:p>
@@ -1662,35 +1666,35 @@
           <a:p>
             <a:pPr lvl="0"/>
             <a:r>
-              <a:rPr lang="en-US" smtClean="0"/>
+              <a:rPr lang="en-US"/>
               <a:t>Click to edit Master text styles</a:t>
             </a:r>
           </a:p>
           <a:p>
             <a:pPr lvl="1"/>
             <a:r>
-              <a:rPr lang="en-US" smtClean="0"/>
+              <a:rPr lang="en-US"/>
               <a:t>Second level</a:t>
             </a:r>
           </a:p>
           <a:p>
             <a:pPr lvl="2"/>
             <a:r>
-              <a:rPr lang="en-US" smtClean="0"/>
+              <a:rPr lang="en-US"/>
               <a:t>Third level</a:t>
             </a:r>
           </a:p>
           <a:p>
             <a:pPr lvl="3"/>
             <a:r>
-              <a:rPr lang="en-US" smtClean="0"/>
+              <a:rPr lang="en-US"/>
               <a:t>Fourth level</a:t>
             </a:r>
           </a:p>
           <a:p>
             <a:pPr lvl="4"/>
             <a:r>
-              <a:rPr lang="en-US" smtClean="0"/>
+              <a:rPr lang="en-US"/>
               <a:t>Fifth level</a:t>
             </a:r>
             <a:endParaRPr lang="en-US" dirty="0"/>
@@ -1758,7 +1762,7 @@
           <a:p>
             <a:pPr lvl="0"/>
             <a:r>
-              <a:rPr lang="en-US" smtClean="0"/>
+              <a:rPr lang="en-US"/>
               <a:t>Click to edit Master text styles</a:t>
             </a:r>
           </a:p>
@@ -1814,35 +1818,35 @@
           <a:p>
             <a:pPr lvl="0"/>
             <a:r>
-              <a:rPr lang="en-US" smtClean="0"/>
+              <a:rPr lang="en-US"/>
               <a:t>Click to edit Master text styles</a:t>
             </a:r>
           </a:p>
           <a:p>
             <a:pPr lvl="1"/>
             <a:r>
-              <a:rPr lang="en-US" smtClean="0"/>
+              <a:rPr lang="en-US"/>
               <a:t>Second level</a:t>
             </a:r>
           </a:p>
           <a:p>
             <a:pPr lvl="2"/>
             <a:r>
-              <a:rPr lang="en-US" smtClean="0"/>
+              <a:rPr lang="en-US"/>
               <a:t>Third level</a:t>
             </a:r>
           </a:p>
           <a:p>
             <a:pPr lvl="3"/>
             <a:r>
-              <a:rPr lang="en-US" smtClean="0"/>
+              <a:rPr lang="en-US"/>
               <a:t>Fourth level</a:t>
             </a:r>
           </a:p>
           <a:p>
             <a:pPr lvl="4"/>
             <a:r>
-              <a:rPr lang="en-US" smtClean="0"/>
+              <a:rPr lang="en-US"/>
               <a:t>Fifth level</a:t>
             </a:r>
             <a:endParaRPr lang="en-US" dirty="0"/>
@@ -1866,7 +1870,7 @@
           <a:p>
             <a:fld id="{96DFF08F-DC6B-4601-B491-B0F83F6DD2DA}" type="datetimeFigureOut">
               <a:rPr lang="en-US" dirty="0"/>
-              <a:t>5/22/2017</a:t>
+              <a:t>6/3/2017</a:t>
             </a:fld>
             <a:endParaRPr lang="en-US" dirty="0"/>
           </a:p>
@@ -1955,7 +1959,7 @@
           <a:lstStyle/>
           <a:p>
             <a:r>
-              <a:rPr lang="en-US" smtClean="0"/>
+              <a:rPr lang="en-US"/>
               <a:t>Click to edit Master title style</a:t>
             </a:r>
             <a:endParaRPr lang="en-US" dirty="0"/>
@@ -1979,7 +1983,7 @@
           <a:p>
             <a:fld id="{96DFF08F-DC6B-4601-B491-B0F83F6DD2DA}" type="datetimeFigureOut">
               <a:rPr lang="en-US" dirty="0"/>
-              <a:t>5/22/2017</a:t>
+              <a:t>6/3/2017</a:t>
             </a:fld>
             <a:endParaRPr lang="en-US" dirty="0"/>
           </a:p>
@@ -2069,7 +2073,7 @@
           <a:p>
             <a:fld id="{96DFF08F-DC6B-4601-B491-B0F83F6DD2DA}" type="datetimeFigureOut">
               <a:rPr lang="en-US" dirty="0"/>
-              <a:t>5/22/2017</a:t>
+              <a:t>6/3/2017</a:t>
             </a:fld>
             <a:endParaRPr lang="en-US" dirty="0"/>
           </a:p>
@@ -2158,7 +2162,7 @@
           <a:lstStyle/>
           <a:p>
             <a:r>
-              <a:rPr lang="en-US" smtClean="0"/>
+              <a:rPr lang="en-US"/>
               <a:t>Click to edit Master title style</a:t>
             </a:r>
             <a:endParaRPr lang="en-US" dirty="0"/>
@@ -2215,35 +2219,35 @@
           <a:p>
             <a:pPr lvl="0"/>
             <a:r>
-              <a:rPr lang="en-US" smtClean="0"/>
+              <a:rPr lang="en-US"/>
               <a:t>Click to edit Master text styles</a:t>
             </a:r>
           </a:p>
           <a:p>
             <a:pPr lvl="1"/>
             <a:r>
-              <a:rPr lang="en-US" smtClean="0"/>
+              <a:rPr lang="en-US"/>
               <a:t>Second level</a:t>
             </a:r>
           </a:p>
           <a:p>
             <a:pPr lvl="2"/>
             <a:r>
-              <a:rPr lang="en-US" smtClean="0"/>
+              <a:rPr lang="en-US"/>
               <a:t>Third level</a:t>
             </a:r>
           </a:p>
           <a:p>
             <a:pPr lvl="3"/>
             <a:r>
-              <a:rPr lang="en-US" smtClean="0"/>
+              <a:rPr lang="en-US"/>
               <a:t>Fourth level</a:t>
             </a:r>
           </a:p>
           <a:p>
             <a:pPr lvl="4"/>
             <a:r>
-              <a:rPr lang="en-US" smtClean="0"/>
+              <a:rPr lang="en-US"/>
               <a:t>Fifth level</a:t>
             </a:r>
             <a:endParaRPr lang="en-US" dirty="0"/>
@@ -2314,7 +2318,7 @@
           <a:p>
             <a:pPr lvl="0"/>
             <a:r>
-              <a:rPr lang="en-US" smtClean="0"/>
+              <a:rPr lang="en-US"/>
               <a:t>Click to edit Master text styles</a:t>
             </a:r>
           </a:p>
@@ -2337,7 +2341,7 @@
           <a:p>
             <a:fld id="{96DFF08F-DC6B-4601-B491-B0F83F6DD2DA}" type="datetimeFigureOut">
               <a:rPr lang="en-US" dirty="0"/>
-              <a:t>5/22/2017</a:t>
+              <a:t>6/3/2017</a:t>
             </a:fld>
             <a:endParaRPr lang="en-US" dirty="0"/>
           </a:p>
@@ -2426,7 +2430,7 @@
           <a:lstStyle/>
           <a:p>
             <a:r>
-              <a:rPr lang="en-US" smtClean="0"/>
+              <a:rPr lang="en-US"/>
               <a:t>Click to edit Master title style</a:t>
             </a:r>
             <a:endParaRPr lang="en-US" dirty="0"/>
@@ -2503,7 +2507,7 @@
           </a:lstStyle>
           <a:p>
             <a:r>
-              <a:rPr lang="en-US" smtClean="0"/>
+              <a:rPr lang="en-US"/>
               <a:t>Click icon to add picture</a:t>
             </a:r>
             <a:endParaRPr lang="en-US" dirty="0"/>
@@ -2574,7 +2578,7 @@
           <a:p>
             <a:pPr lvl="0"/>
             <a:r>
-              <a:rPr lang="en-US" smtClean="0"/>
+              <a:rPr lang="en-US"/>
               <a:t>Click to edit Master text styles</a:t>
             </a:r>
           </a:p>
@@ -2597,7 +2601,7 @@
           <a:p>
             <a:fld id="{96DFF08F-DC6B-4601-B491-B0F83F6DD2DA}" type="datetimeFigureOut">
               <a:rPr lang="en-US" dirty="0"/>
-              <a:t>5/22/2017</a:t>
+              <a:t>6/3/2017</a:t>
             </a:fld>
             <a:endParaRPr lang="en-US" dirty="0"/>
           </a:p>
@@ -2748,7 +2752,7 @@
           <a:lstStyle/>
           <a:p>
             <a:r>
-              <a:rPr lang="en-US" smtClean="0"/>
+              <a:rPr lang="en-US"/>
               <a:t>Click to edit Master title style</a:t>
             </a:r>
             <a:endParaRPr lang="en-US" dirty="0"/>
@@ -2782,35 +2786,35 @@
           <a:p>
             <a:pPr lvl="0"/>
             <a:r>
-              <a:rPr lang="en-US" smtClean="0"/>
+              <a:rPr lang="en-US"/>
               <a:t>Click to edit Master text styles</a:t>
             </a:r>
           </a:p>
           <a:p>
             <a:pPr lvl="1"/>
             <a:r>
-              <a:rPr lang="en-US" smtClean="0"/>
+              <a:rPr lang="en-US"/>
               <a:t>Second level</a:t>
             </a:r>
           </a:p>
           <a:p>
             <a:pPr lvl="2"/>
             <a:r>
-              <a:rPr lang="en-US" smtClean="0"/>
+              <a:rPr lang="en-US"/>
               <a:t>Third level</a:t>
             </a:r>
           </a:p>
           <a:p>
             <a:pPr lvl="3"/>
             <a:r>
-              <a:rPr lang="en-US" smtClean="0"/>
+              <a:rPr lang="en-US"/>
               <a:t>Fourth level</a:t>
             </a:r>
           </a:p>
           <a:p>
             <a:pPr lvl="4"/>
             <a:r>
-              <a:rPr lang="en-US" smtClean="0"/>
+              <a:rPr lang="en-US"/>
               <a:t>Fifth level</a:t>
             </a:r>
             <a:endParaRPr lang="en-US" dirty="0"/>
@@ -2851,7 +2855,7 @@
             <a:fld id="{96DFF08F-DC6B-4601-B491-B0F83F6DD2DA}" type="datetimeFigureOut">
               <a:rPr lang="en-US" dirty="0"/>
               <a:pPr/>
-              <a:t>5/22/2017</a:t>
+              <a:t>6/3/2017</a:t>
             </a:fld>
             <a:endParaRPr lang="en-US" dirty="0"/>
           </a:p>
@@ -3341,19 +3345,15 @@
             <a:pPr marL="0" indent="0" algn="ctr">
               <a:buNone/>
             </a:pPr>
-            <a:endParaRPr lang="id-ID" sz="15000" b="1" baseline="-25000" dirty="0" smtClean="0"/>
+            <a:endParaRPr lang="id-ID" sz="15000" b="1" baseline="-25000" dirty="0"/>
           </a:p>
           <a:p>
             <a:pPr marL="0" indent="0" algn="ctr">
               <a:buNone/>
             </a:pPr>
             <a:r>
-              <a:rPr lang="id-ID" sz="15000" b="1" baseline="-25000" dirty="0" smtClean="0"/>
-              <a:t>PETS </a:t>
-            </a:r>
-            <a:r>
               <a:rPr lang="id-ID" sz="15000" b="1" baseline="-25000" dirty="0"/>
-              <a:t>ADOPTION</a:t>
+              <a:t>PETS ADOPTION</a:t>
             </a:r>
             <a:endParaRPr lang="id-ID" sz="15000" baseline="-25000" dirty="0"/>
           </a:p>
@@ -3369,13 +3369,6 @@
   <p:clrMapOvr>
     <a:masterClrMapping/>
   </p:clrMapOvr>
-  <p:timing>
-    <p:tnLst>
-      <p:par>
-        <p:cTn id="1" dur="indefinite" restart="never" nodeType="tmRoot"/>
-      </p:par>
-    </p:tnLst>
-  </p:timing>
 </p:sld>
 </file>
 
@@ -3422,7 +3415,7 @@
               <a:buNone/>
             </a:pPr>
             <a:r>
-              <a:rPr lang="id-ID" b="1" dirty="0" smtClean="0">
+              <a:rPr lang="id-ID" b="1" dirty="0">
                 <a:solidFill>
                   <a:schemeClr val="accent1">
                     <a:lumMod val="50000"/>
@@ -3449,24 +3442,34 @@
               <a:buNone/>
             </a:pPr>
             <a:r>
-              <a:rPr lang="id-ID" b="1" dirty="0" smtClean="0">
-                <a:solidFill>
-                  <a:schemeClr val="accent1">
-                    <a:lumMod val="50000"/>
-                  </a:schemeClr>
-                </a:solidFill>
-              </a:rPr>
-              <a:t>1. RESTU </a:t>
-            </a:r>
-            <a:r>
-              <a:rPr lang="id-ID" b="1" dirty="0" smtClean="0">
-                <a:solidFill>
-                  <a:schemeClr val="accent1">
-                    <a:lumMod val="50000"/>
-                  </a:schemeClr>
-                </a:solidFill>
-              </a:rPr>
-              <a:t>FAJRI IRAWAN				(15.11.)</a:t>
+              <a:rPr lang="id-ID" b="1" dirty="0">
+                <a:solidFill>
+                  <a:schemeClr val="accent1">
+                    <a:lumMod val="50000"/>
+                  </a:schemeClr>
+                </a:solidFill>
+              </a:rPr>
+              <a:t>1. RESTU FAJRI IRAWAN				(15.11.</a:t>
+            </a:r>
+            <a:r>
+              <a:rPr lang="en-US" b="1" dirty="0">
+                <a:solidFill>
+                  <a:schemeClr val="accent1">
+                    <a:lumMod val="50000"/>
+                  </a:schemeClr>
+                </a:solidFill>
+              </a:rPr>
+              <a:t>9215</a:t>
+            </a:r>
+            <a:r>
+              <a:rPr lang="id-ID" b="1" dirty="0">
+                <a:solidFill>
+                  <a:schemeClr val="accent1">
+                    <a:lumMod val="50000"/>
+                  </a:schemeClr>
+                </a:solidFill>
+              </a:rPr>
+              <a:t>)</a:t>
             </a:r>
           </a:p>
           <a:p>
@@ -3474,24 +3477,54 @@
               <a:buNone/>
             </a:pPr>
             <a:r>
-              <a:rPr lang="id-ID" b="1" dirty="0" smtClean="0">
-                <a:solidFill>
-                  <a:schemeClr val="accent1">
-                    <a:lumMod val="50000"/>
-                  </a:schemeClr>
-                </a:solidFill>
-              </a:rPr>
-              <a:t>2. DESSI </a:t>
-            </a:r>
-            <a:r>
-              <a:rPr lang="id-ID" b="1" dirty="0" smtClean="0">
-                <a:solidFill>
-                  <a:schemeClr val="accent1">
-                    <a:lumMod val="50000"/>
-                  </a:schemeClr>
-                </a:solidFill>
-              </a:rPr>
-              <a:t>PUTRI HARTANINGSIH</a:t>
+              <a:rPr lang="id-ID" b="1" dirty="0">
+                <a:solidFill>
+                  <a:schemeClr val="accent1">
+                    <a:lumMod val="50000"/>
+                  </a:schemeClr>
+                </a:solidFill>
+              </a:rPr>
+              <a:t>2. DESSI PUTRI HARTANINGSIH</a:t>
+            </a:r>
+            <a:r>
+              <a:rPr lang="en-US" b="1" dirty="0">
+                <a:solidFill>
+                  <a:schemeClr val="accent1">
+                    <a:lumMod val="50000"/>
+                  </a:schemeClr>
+                </a:solidFill>
+              </a:rPr>
+              <a:t>			</a:t>
+            </a:r>
+            <a:r>
+              <a:rPr lang="id-ID" b="1" dirty="0">
+                <a:solidFill>
+                  <a:schemeClr val="accent1">
+                    <a:lumMod val="50000"/>
+                  </a:schemeClr>
+                </a:solidFill>
+              </a:rPr>
+              <a:t> (15.11.</a:t>
+            </a:r>
+            <a:r>
+              <a:rPr lang="en-US" b="1" dirty="0">
+                <a:solidFill>
+                  <a:schemeClr val="accent1">
+                    <a:lumMod val="50000"/>
+                  </a:schemeClr>
+                </a:solidFill>
+              </a:rPr>
+              <a:t>9203</a:t>
+            </a:r>
+            <a:r>
+              <a:rPr lang="id-ID" b="1" dirty="0">
+                <a:solidFill>
+                  <a:schemeClr val="accent1">
+                    <a:lumMod val="50000"/>
+                  </a:schemeClr>
+                </a:solidFill>
+              </a:rPr>
+              <a:t>)</a:t>
             </a:r>
           </a:p>
           <a:p>
@@ -3499,24 +3532,54 @@
               <a:buNone/>
             </a:pPr>
             <a:r>
-              <a:rPr lang="id-ID" b="1" dirty="0" smtClean="0">
-                <a:solidFill>
-                  <a:schemeClr val="accent1">
-                    <a:lumMod val="50000"/>
-                  </a:schemeClr>
-                </a:solidFill>
-              </a:rPr>
-              <a:t>3. WILDA </a:t>
-            </a:r>
-            <a:r>
-              <a:rPr lang="id-ID" b="1" dirty="0" smtClean="0">
-                <a:solidFill>
-                  <a:schemeClr val="accent1">
-                    <a:lumMod val="50000"/>
-                  </a:schemeClr>
-                </a:solidFill>
-              </a:rPr>
-              <a:t>MAULI</a:t>
+              <a:rPr lang="id-ID" b="1" dirty="0">
+                <a:solidFill>
+                  <a:schemeClr val="accent1">
+                    <a:lumMod val="50000"/>
+                  </a:schemeClr>
+                </a:solidFill>
+              </a:rPr>
+              <a:t>3. WILDA MAULI</a:t>
+            </a:r>
+            <a:r>
+              <a:rPr lang="en-US" b="1" dirty="0">
+                <a:solidFill>
+                  <a:schemeClr val="accent1">
+                    <a:lumMod val="50000"/>
+                  </a:schemeClr>
+                </a:solidFill>
+              </a:rPr>
+              <a:t>					</a:t>
+            </a:r>
+            <a:r>
+              <a:rPr lang="id-ID" b="1" dirty="0">
+                <a:solidFill>
+                  <a:schemeClr val="accent1">
+                    <a:lumMod val="50000"/>
+                  </a:schemeClr>
+                </a:solidFill>
+              </a:rPr>
+              <a:t> (15.11.</a:t>
+            </a:r>
+            <a:r>
+              <a:rPr lang="en-US" b="1" dirty="0">
+                <a:solidFill>
+                  <a:schemeClr val="accent1">
+                    <a:lumMod val="50000"/>
+                  </a:schemeClr>
+                </a:solidFill>
+              </a:rPr>
+              <a:t>9243</a:t>
+            </a:r>
+            <a:r>
+              <a:rPr lang="id-ID" b="1" dirty="0">
+                <a:solidFill>
+                  <a:schemeClr val="accent1">
+                    <a:lumMod val="50000"/>
+                  </a:schemeClr>
+                </a:solidFill>
+              </a:rPr>
+              <a:t>)</a:t>
             </a:r>
           </a:p>
           <a:p>
@@ -3524,24 +3587,54 @@
               <a:buNone/>
             </a:pPr>
             <a:r>
-              <a:rPr lang="id-ID" b="1" dirty="0" smtClean="0">
-                <a:solidFill>
-                  <a:schemeClr val="accent1">
-                    <a:lumMod val="50000"/>
-                  </a:schemeClr>
-                </a:solidFill>
-              </a:rPr>
-              <a:t>4. AGIL </a:t>
-            </a:r>
-            <a:r>
-              <a:rPr lang="id-ID" b="1" dirty="0" smtClean="0">
-                <a:solidFill>
-                  <a:schemeClr val="accent1">
-                    <a:lumMod val="50000"/>
-                  </a:schemeClr>
-                </a:solidFill>
-              </a:rPr>
-              <a:t>ANGGA SAPUTRA</a:t>
+              <a:rPr lang="id-ID" b="1" dirty="0">
+                <a:solidFill>
+                  <a:schemeClr val="accent1">
+                    <a:lumMod val="50000"/>
+                  </a:schemeClr>
+                </a:solidFill>
+              </a:rPr>
+              <a:t>4. AGIL ANGGA SAPUTRA</a:t>
+            </a:r>
+            <a:r>
+              <a:rPr lang="en-US" b="1" dirty="0">
+                <a:solidFill>
+                  <a:schemeClr val="accent1">
+                    <a:lumMod val="50000"/>
+                  </a:schemeClr>
+                </a:solidFill>
+              </a:rPr>
+              <a:t>				</a:t>
+            </a:r>
+            <a:r>
+              <a:rPr lang="id-ID" b="1" dirty="0">
+                <a:solidFill>
+                  <a:schemeClr val="accent1">
+                    <a:lumMod val="50000"/>
+                  </a:schemeClr>
+                </a:solidFill>
+              </a:rPr>
+              <a:t> (15.11.</a:t>
+            </a:r>
+            <a:r>
+              <a:rPr lang="en-US" b="1" dirty="0">
+                <a:solidFill>
+                  <a:schemeClr val="accent1">
+                    <a:lumMod val="50000"/>
+                  </a:schemeClr>
+                </a:solidFill>
+              </a:rPr>
+              <a:t>9200</a:t>
+            </a:r>
+            <a:r>
+              <a:rPr lang="id-ID" b="1" dirty="0">
+                <a:solidFill>
+                  <a:schemeClr val="accent1">
+                    <a:lumMod val="50000"/>
+                  </a:schemeClr>
+                </a:solidFill>
+              </a:rPr>
+              <a:t>)</a:t>
             </a:r>
           </a:p>
           <a:p>
@@ -3549,24 +3642,54 @@
               <a:buNone/>
             </a:pPr>
             <a:r>
-              <a:rPr lang="id-ID" b="1" dirty="0" smtClean="0">
-                <a:solidFill>
-                  <a:schemeClr val="accent1">
-                    <a:lumMod val="50000"/>
-                  </a:schemeClr>
-                </a:solidFill>
-              </a:rPr>
-              <a:t>5. AKBAR </a:t>
-            </a:r>
-            <a:r>
-              <a:rPr lang="id-ID" b="1" dirty="0" smtClean="0">
-                <a:solidFill>
-                  <a:schemeClr val="accent1">
-                    <a:lumMod val="50000"/>
-                  </a:schemeClr>
-                </a:solidFill>
-              </a:rPr>
-              <a:t>MUZAKKI</a:t>
+              <a:rPr lang="id-ID" b="1" dirty="0">
+                <a:solidFill>
+                  <a:schemeClr val="accent1">
+                    <a:lumMod val="50000"/>
+                  </a:schemeClr>
+                </a:solidFill>
+              </a:rPr>
+              <a:t>5. AKBAR MUZAKKI</a:t>
+            </a:r>
+            <a:r>
+              <a:rPr lang="en-US" b="1" dirty="0">
+                <a:solidFill>
+                  <a:schemeClr val="accent1">
+                    <a:lumMod val="50000"/>
+                  </a:schemeClr>
+                </a:solidFill>
+              </a:rPr>
+              <a:t>					</a:t>
+            </a:r>
+            <a:r>
+              <a:rPr lang="id-ID" b="1" dirty="0">
+                <a:solidFill>
+                  <a:schemeClr val="accent1">
+                    <a:lumMod val="50000"/>
+                  </a:schemeClr>
+                </a:solidFill>
+              </a:rPr>
+              <a:t> (15.11.</a:t>
+            </a:r>
+            <a:r>
+              <a:rPr lang="en-US" b="1" dirty="0">
+                <a:solidFill>
+                  <a:schemeClr val="accent1">
+                    <a:lumMod val="50000"/>
+                  </a:schemeClr>
+                </a:solidFill>
+              </a:rPr>
+              <a:t>9254</a:t>
+            </a:r>
+            <a:r>
+              <a:rPr lang="id-ID" b="1" dirty="0">
+                <a:solidFill>
+                  <a:schemeClr val="accent1">
+                    <a:lumMod val="50000"/>
+                  </a:schemeClr>
+                </a:solidFill>
+              </a:rPr>
+              <a:t>)</a:t>
             </a:r>
           </a:p>
           <a:p>
@@ -3574,24 +3697,54 @@
               <a:buNone/>
             </a:pPr>
             <a:r>
-              <a:rPr lang="id-ID" b="1" dirty="0" smtClean="0">
-                <a:solidFill>
-                  <a:schemeClr val="accent1">
-                    <a:lumMod val="50000"/>
-                  </a:schemeClr>
-                </a:solidFill>
-              </a:rPr>
-              <a:t>6. CAHYO </a:t>
-            </a:r>
-            <a:r>
-              <a:rPr lang="id-ID" b="1" dirty="0" smtClean="0">
-                <a:solidFill>
-                  <a:schemeClr val="accent1">
-                    <a:lumMod val="50000"/>
-                  </a:schemeClr>
-                </a:solidFill>
-              </a:rPr>
-              <a:t>RAFIKA</a:t>
+              <a:rPr lang="id-ID" b="1" dirty="0">
+                <a:solidFill>
+                  <a:schemeClr val="accent1">
+                    <a:lumMod val="50000"/>
+                  </a:schemeClr>
+                </a:solidFill>
+              </a:rPr>
+              <a:t>6. CAHYO RAFIKA</a:t>
+            </a:r>
+            <a:r>
+              <a:rPr lang="en-US" b="1" dirty="0">
+                <a:solidFill>
+                  <a:schemeClr val="accent1">
+                    <a:lumMod val="50000"/>
+                  </a:schemeClr>
+                </a:solidFill>
+              </a:rPr>
+              <a:t>					</a:t>
+            </a:r>
+            <a:r>
+              <a:rPr lang="id-ID" b="1" dirty="0">
+                <a:solidFill>
+                  <a:schemeClr val="accent1">
+                    <a:lumMod val="50000"/>
+                  </a:schemeClr>
+                </a:solidFill>
+              </a:rPr>
+              <a:t> (15.11.</a:t>
+            </a:r>
+            <a:r>
+              <a:rPr lang="en-US" b="1">
+                <a:solidFill>
+                  <a:schemeClr val="accent1">
+                    <a:lumMod val="50000"/>
+                  </a:schemeClr>
+                </a:solidFill>
+              </a:rPr>
+              <a:t>9268</a:t>
+            </a:r>
+            <a:r>
+              <a:rPr lang="id-ID" b="1">
+                <a:solidFill>
+                  <a:schemeClr val="accent1">
+                    <a:lumMod val="50000"/>
+                  </a:schemeClr>
+                </a:solidFill>
+              </a:rPr>
+              <a:t>)</a:t>
             </a:r>
             <a:endParaRPr lang="id-ID" b="1" dirty="0">
               <a:solidFill>
@@ -3613,13 +3766,6 @@
   <p:clrMapOvr>
     <a:masterClrMapping/>
   </p:clrMapOvr>
-  <p:timing>
-    <p:tnLst>
-      <p:par>
-        <p:cTn id="1" dur="indefinite" restart="never" nodeType="tmRoot"/>
-      </p:par>
-    </p:tnLst>
-  </p:timing>
 </p:sld>
 </file>
 
@@ -3734,13 +3880,6 @@
   <p:clrMapOvr>
     <a:masterClrMapping/>
   </p:clrMapOvr>
-  <p:timing>
-    <p:tnLst>
-      <p:par>
-        <p:cTn id="1" dur="indefinite" restart="never" nodeType="tmRoot"/>
-      </p:par>
-    </p:tnLst>
-  </p:timing>
 </p:sld>
 </file>
 
@@ -3783,16 +3922,6 @@
           <a:p>
             <a:pPr algn="ctr"/>
             <a:r>
-              <a:rPr lang="en-US" b="1" dirty="0" smtClean="0">
-                <a:solidFill>
-                  <a:schemeClr val="accent1">
-                    <a:lumMod val="50000"/>
-                  </a:schemeClr>
-                </a:solidFill>
-              </a:rPr>
-              <a:t>Keunikan </a:t>
-            </a:r>
-            <a:r>
               <a:rPr lang="en-US" b="1" dirty="0">
                 <a:solidFill>
                   <a:schemeClr val="accent1">
@@ -3800,10 +3929,10 @@
                   </a:schemeClr>
                 </a:solidFill>
               </a:rPr>
-              <a:t>dan “Value” </a:t>
-            </a:r>
-            <a:r>
-              <a:rPr lang="id-ID" b="1" dirty="0" smtClean="0">
+              <a:t>Keunikan dan “Value” </a:t>
+            </a:r>
+            <a:r>
+              <a:rPr lang="id-ID" b="1" dirty="0">
                 <a:solidFill>
                   <a:schemeClr val="accent1">
                     <a:lumMod val="50000"/>
@@ -3930,13 +4059,6 @@
   <p:clrMapOvr>
     <a:masterClrMapping/>
   </p:clrMapOvr>
-  <p:timing>
-    <p:tnLst>
-      <p:par>
-        <p:cTn id="1" dur="indefinite" restart="never" nodeType="tmRoot"/>
-      </p:par>
-    </p:tnLst>
-  </p:timing>
 </p:sld>
 </file>
 
@@ -3979,16 +4101,6 @@
           <a:p>
             <a:pPr algn="ctr"/>
             <a:r>
-              <a:rPr lang="en-US" b="1" dirty="0" smtClean="0">
-                <a:solidFill>
-                  <a:schemeClr val="accent1">
-                    <a:lumMod val="50000"/>
-                  </a:schemeClr>
-                </a:solidFill>
-              </a:rPr>
-              <a:t>Fungsi</a:t>
-            </a:r>
-            <a:r>
               <a:rPr lang="en-US" b="1" dirty="0">
                 <a:solidFill>
                   <a:schemeClr val="accent1">
@@ -3996,30 +4108,10 @@
                   </a:schemeClr>
                 </a:solidFill>
               </a:rPr>
-              <a:t>, Fitur dan </a:t>
-            </a:r>
-            <a:r>
-              <a:rPr lang="en-US" b="1" dirty="0" smtClean="0">
-                <a:solidFill>
-                  <a:schemeClr val="accent1">
-                    <a:lumMod val="50000"/>
-                  </a:schemeClr>
-                </a:solidFill>
-              </a:rPr>
-              <a:t>Kegunaan</a:t>
-            </a:r>
-            <a:r>
-              <a:rPr lang="id-ID" b="1" dirty="0" smtClean="0">
-                <a:solidFill>
-                  <a:schemeClr val="accent1">
-                    <a:lumMod val="50000"/>
-                  </a:schemeClr>
-                </a:solidFill>
-              </a:rPr>
-              <a:t/>
+              <a:t>Fungsi, Fitur dan Kegunaan</a:t>
             </a:r>
             <a:br>
-              <a:rPr lang="id-ID" b="1" dirty="0" smtClean="0">
+              <a:rPr lang="id-ID" b="1" dirty="0">
                 <a:solidFill>
                   <a:schemeClr val="accent1">
                     <a:lumMod val="50000"/>
@@ -4028,7 +4120,7 @@
               </a:rPr>
             </a:br>
             <a:r>
-              <a:rPr lang="id-ID" b="1" dirty="0" smtClean="0">
+              <a:rPr lang="id-ID" b="1" dirty="0">
                 <a:solidFill>
                   <a:schemeClr val="accent1">
                     <a:lumMod val="50000"/>
@@ -4080,27 +4172,7 @@
                   </a:schemeClr>
                 </a:solidFill>
               </a:rPr>
-              <a:t>	</a:t>
-            </a:r>
-            <a:r>
-              <a:rPr lang="id-ID" b="1" dirty="0" smtClean="0">
-                <a:solidFill>
-                  <a:schemeClr val="accent1">
-                    <a:lumMod val="50000"/>
-                  </a:schemeClr>
-                </a:solidFill>
-              </a:rPr>
-              <a:t>Dapat </a:t>
-            </a:r>
-            <a:r>
-              <a:rPr lang="id-ID" b="1" dirty="0">
-                <a:solidFill>
-                  <a:schemeClr val="accent1">
-                    <a:lumMod val="50000"/>
-                  </a:schemeClr>
-                </a:solidFill>
-              </a:rPr>
-              <a:t>melakukan proses pengadobsian hewan secara mudah, dapat menampilkan video hewan yang akan diadobsi. Web ini juga menyediakan fitur chatting antara pemilik hewan dengan calon pengadobsi. Pengadobsi dapat memilih atau melihat-lihat terlebih dahulu hewan yang akan diadobsi sebelum melakukan proses yang selanjutnya. </a:t>
+              <a:t>	Dapat melakukan proses pengadobsian hewan secara mudah, dapat menampilkan video hewan yang akan diadobsi. Web ini juga menyediakan fitur chatting antara pemilik hewan dengan calon pengadobsi. Pengadobsi dapat memilih atau melihat-lihat terlebih dahulu hewan yang akan diadobsi sebelum melakukan proses yang selanjutnya. </a:t>
             </a:r>
             <a:endParaRPr lang="id-ID" dirty="0">
               <a:solidFill>
@@ -4246,13 +4318,6 @@
   <p:clrMapOvr>
     <a:masterClrMapping/>
   </p:clrMapOvr>
-  <p:timing>
-    <p:tnLst>
-      <p:par>
-        <p:cTn id="1" dur="indefinite" restart="never" nodeType="tmRoot"/>
-      </p:par>
-    </p:tnLst>
-  </p:timing>
 </p:sld>
 </file>
 
@@ -4299,18 +4364,8 @@
               </a:rPr>
               <a:t>Inovasi dan Implementasi </a:t>
             </a:r>
-            <a:r>
-              <a:rPr lang="id-ID" b="1" dirty="0" smtClean="0">
-                <a:solidFill>
-                  <a:schemeClr val="accent1">
-                    <a:lumMod val="50000"/>
-                  </a:schemeClr>
-                </a:solidFill>
-              </a:rPr>
-              <a:t/>
-            </a:r>
             <a:br>
-              <a:rPr lang="id-ID" b="1" dirty="0" smtClean="0">
+              <a:rPr lang="id-ID" b="1" dirty="0">
                 <a:solidFill>
                   <a:schemeClr val="accent1">
                     <a:lumMod val="50000"/>
@@ -4319,7 +4374,7 @@
               </a:rPr>
             </a:br>
             <a:r>
-              <a:rPr lang="id-ID" b="1" dirty="0" smtClean="0">
+              <a:rPr lang="id-ID" b="1" dirty="0">
                 <a:solidFill>
                   <a:schemeClr val="accent1">
                     <a:lumMod val="50000"/>
@@ -4362,16 +4417,6 @@
           <a:p>
             <a:pPr algn="just"/>
             <a:r>
-              <a:rPr lang="id-ID" b="1" i="1" dirty="0" smtClean="0">
-                <a:solidFill>
-                  <a:schemeClr val="accent1">
-                    <a:lumMod val="50000"/>
-                  </a:schemeClr>
-                </a:solidFill>
-              </a:rPr>
-              <a:t>Form </a:t>
-            </a:r>
-            <a:r>
               <a:rPr lang="id-ID" b="1" i="1" dirty="0">
                 <a:solidFill>
                   <a:schemeClr val="accent1">
@@ -4379,17 +4424,7 @@
                   </a:schemeClr>
                 </a:solidFill>
               </a:rPr>
-              <a:t>login </a:t>
-            </a:r>
-            <a:r>
-              <a:rPr lang="id-ID" b="1" dirty="0" smtClean="0">
-                <a:solidFill>
-                  <a:schemeClr val="accent1">
-                    <a:lumMod val="50000"/>
-                  </a:schemeClr>
-                </a:solidFill>
-              </a:rPr>
-              <a:t>	: digunakan </a:t>
+              <a:t>Form login </a:t>
             </a:r>
             <a:r>
               <a:rPr lang="id-ID" b="1" dirty="0">
@@ -4399,30 +4434,13 @@
                   </a:schemeClr>
                 </a:solidFill>
               </a:rPr>
-              <a:t>ketika pengunjung berniat untuk melakukan pengadobsian hewan dan </a:t>
-            </a:r>
-            <a:r>
-              <a:rPr lang="id-ID" b="1" dirty="0" smtClean="0">
-                <a:solidFill>
-                  <a:schemeClr val="accent1">
-                    <a:lumMod val="50000"/>
-                  </a:schemeClr>
-                </a:solidFill>
-              </a:rPr>
-              <a:t>		juga pengunjung bisa membuat akun terlebih dahulu jika belum memiliki akun pets 		adobtion. Diweb ini terdapat beberapa navigasi yang dapat digunakan untuk 		melakukan proses pencarian agar lebih mudah dan tepat sasaran. Navigasi yang 		disediakan yaitu:</a:t>
-            </a:r>
-            <a:endParaRPr lang="id-ID" b="1" dirty="0">
-              <a:solidFill>
-                <a:schemeClr val="accent1">
-                  <a:lumMod val="50000"/>
-                </a:schemeClr>
-              </a:solidFill>
-            </a:endParaRPr>
+              <a:t>	: digunakan ketika pengunjung berniat untuk melakukan pengadobsian hewan dan 		juga pengunjung bisa membuat akun terlebih dahulu jika belum memiliki akun pets 		adobtion. Diweb ini terdapat beberapa navigasi yang dapat digunakan untuk 		melakukan proses pencarian agar lebih mudah dan tepat sasaran. Navigasi yang 		disediakan yaitu:</a:t>
+            </a:r>
           </a:p>
           <a:p>
             <a:pPr lvl="0" algn="just"/>
             <a:r>
-              <a:rPr lang="id-ID" b="1" i="1" dirty="0" smtClean="0">
+              <a:rPr lang="id-ID" b="1" i="1" dirty="0">
                 <a:solidFill>
                   <a:schemeClr val="accent1">
                     <a:lumMod val="50000"/>
@@ -4432,16 +4450,6 @@
               <a:t>Home	</a:t>
             </a:r>
             <a:r>
-              <a:rPr lang="id-ID" b="1" dirty="0" smtClean="0">
-                <a:solidFill>
-                  <a:schemeClr val="accent1">
-                    <a:lumMod val="50000"/>
-                  </a:schemeClr>
-                </a:solidFill>
-              </a:rPr>
-              <a:t>	 </a:t>
-            </a:r>
-            <a:r>
               <a:rPr lang="id-ID" b="1" dirty="0">
                 <a:solidFill>
                   <a:schemeClr val="accent1">
@@ -4449,17 +4457,20 @@
                   </a:schemeClr>
                 </a:solidFill>
               </a:rPr>
-              <a:t>:  merupakan halaman awal yang akan dijumpai oleh pengunjung dan didalam </a:t>
-            </a:r>
-            <a:r>
-              <a:rPr lang="id-ID" b="1" dirty="0" smtClean="0">
-                <a:solidFill>
-                  <a:schemeClr val="accent1">
-                    <a:lumMod val="50000"/>
-                  </a:schemeClr>
-                </a:solidFill>
-              </a:rPr>
-              <a:t>		home </a:t>
+              <a:t>	 :  merupakan halaman awal yang akan dijumpai oleh pengunjung dan didalam 		home berisi form login, ketika melakukan login akan diarahkan ke adob list secara 		otomatis.</a:t>
+            </a:r>
+          </a:p>
+          <a:p>
+            <a:pPr lvl="0" algn="just"/>
+            <a:r>
+              <a:rPr lang="id-ID" b="1" i="1" dirty="0">
+                <a:solidFill>
+                  <a:schemeClr val="accent1">
+                    <a:lumMod val="50000"/>
+                  </a:schemeClr>
+                </a:solidFill>
+              </a:rPr>
+              <a:t>Testimoni</a:t>
             </a:r>
             <a:r>
               <a:rPr lang="id-ID" b="1" dirty="0">
@@ -4469,17 +4480,20 @@
                   </a:schemeClr>
                 </a:solidFill>
               </a:rPr>
-              <a:t>berisi form login, ketika melakukan login akan diarahkan ke adob list secara </a:t>
-            </a:r>
-            <a:r>
-              <a:rPr lang="id-ID" b="1" dirty="0" smtClean="0">
-                <a:solidFill>
-                  <a:schemeClr val="accent1">
-                    <a:lumMod val="50000"/>
-                  </a:schemeClr>
-                </a:solidFill>
-              </a:rPr>
-              <a:t>		otomatis</a:t>
+              <a:t>	 : merupakan navigasi web yang akan mengarahkan pengunjung menuju halaman 		yang berisi list-list hewan yang sudah diadobsi.</a:t>
+            </a:r>
+          </a:p>
+          <a:p>
+            <a:pPr lvl="0" algn="just"/>
+            <a:r>
+              <a:rPr lang="id-ID" b="1" i="1" dirty="0">
+                <a:solidFill>
+                  <a:schemeClr val="accent1">
+                    <a:lumMod val="50000"/>
+                  </a:schemeClr>
+                </a:solidFill>
+              </a:rPr>
+              <a:t>Adopt List </a:t>
             </a:r>
             <a:r>
               <a:rPr lang="id-ID" b="1" dirty="0">
@@ -4489,32 +4503,12 @@
                   </a:schemeClr>
                 </a:solidFill>
               </a:rPr>
-              <a:t>.</a:t>
+              <a:t>	:  merupakan navigasi web yang akan mengarahkan pengunjung menuju list-list 		hewan yang bisa diadobsi, atau hanya sekedar melihat-lihat saja.</a:t>
             </a:r>
           </a:p>
           <a:p>
             <a:pPr lvl="0" algn="just"/>
             <a:r>
-              <a:rPr lang="id-ID" b="1" i="1" dirty="0" smtClean="0">
-                <a:solidFill>
-                  <a:schemeClr val="accent1">
-                    <a:lumMod val="50000"/>
-                  </a:schemeClr>
-                </a:solidFill>
-              </a:rPr>
-              <a:t>Testimoni</a:t>
-            </a:r>
-            <a:r>
-              <a:rPr lang="id-ID" b="1" dirty="0" smtClean="0">
-                <a:solidFill>
-                  <a:schemeClr val="accent1">
-                    <a:lumMod val="50000"/>
-                  </a:schemeClr>
-                </a:solidFill>
-              </a:rPr>
-              <a:t>	 </a:t>
-            </a:r>
-            <a:r>
               <a:rPr lang="id-ID" b="1" dirty="0">
                 <a:solidFill>
                   <a:schemeClr val="accent1">
@@ -4522,121 +4516,8 @@
                   </a:schemeClr>
                 </a:solidFill>
               </a:rPr>
-              <a:t>: merupakan navigasi web yang akan mengarahkan pengunjung menuju halaman </a:t>
-            </a:r>
-            <a:r>
-              <a:rPr lang="id-ID" b="1" dirty="0" smtClean="0">
-                <a:solidFill>
-                  <a:schemeClr val="accent1">
-                    <a:lumMod val="50000"/>
-                  </a:schemeClr>
-                </a:solidFill>
-              </a:rPr>
-              <a:t>		yang </a:t>
-            </a:r>
-            <a:r>
-              <a:rPr lang="id-ID" b="1" dirty="0">
-                <a:solidFill>
-                  <a:schemeClr val="accent1">
-                    <a:lumMod val="50000"/>
-                  </a:schemeClr>
-                </a:solidFill>
-              </a:rPr>
-              <a:t>berisi list-list hewan yang sudah diadobsi.</a:t>
-            </a:r>
-          </a:p>
-          <a:p>
-            <a:pPr lvl="0" algn="just"/>
-            <a:r>
-              <a:rPr lang="id-ID" b="1" i="1" dirty="0">
-                <a:solidFill>
-                  <a:schemeClr val="accent1">
-                    <a:lumMod val="50000"/>
-                  </a:schemeClr>
-                </a:solidFill>
-              </a:rPr>
-              <a:t>Adopt List </a:t>
-            </a:r>
-            <a:r>
-              <a:rPr lang="id-ID" b="1" dirty="0" smtClean="0">
-                <a:solidFill>
-                  <a:schemeClr val="accent1">
-                    <a:lumMod val="50000"/>
-                  </a:schemeClr>
-                </a:solidFill>
-              </a:rPr>
-              <a:t>	:  </a:t>
-            </a:r>
-            <a:r>
-              <a:rPr lang="id-ID" b="1" dirty="0">
-                <a:solidFill>
-                  <a:schemeClr val="accent1">
-                    <a:lumMod val="50000"/>
-                  </a:schemeClr>
-                </a:solidFill>
-              </a:rPr>
-              <a:t>merupakan navigasi web yang akan mengarahkan pengunjung menuju list-list </a:t>
-            </a:r>
-            <a:r>
-              <a:rPr lang="id-ID" b="1" dirty="0" smtClean="0">
-                <a:solidFill>
-                  <a:schemeClr val="accent1">
-                    <a:lumMod val="50000"/>
-                  </a:schemeClr>
-                </a:solidFill>
-              </a:rPr>
-              <a:t>		hewan </a:t>
-            </a:r>
-            <a:r>
-              <a:rPr lang="id-ID" b="1" dirty="0">
-                <a:solidFill>
-                  <a:schemeClr val="accent1">
-                    <a:lumMod val="50000"/>
-                  </a:schemeClr>
-                </a:solidFill>
-              </a:rPr>
-              <a:t>yang bisa diadobsi, atau hanya sekedar melihat-lihat saja.</a:t>
-            </a:r>
-          </a:p>
-          <a:p>
-            <a:pPr lvl="0" algn="just"/>
-            <a:r>
-              <a:rPr lang="id-ID" b="1" dirty="0" smtClean="0">
-                <a:solidFill>
-                  <a:schemeClr val="accent1">
-                    <a:lumMod val="50000"/>
-                  </a:schemeClr>
-                </a:solidFill>
-              </a:rPr>
-              <a:t>About		 </a:t>
-            </a:r>
-            <a:r>
-              <a:rPr lang="id-ID" b="1" dirty="0">
-                <a:solidFill>
-                  <a:schemeClr val="accent1">
-                    <a:lumMod val="50000"/>
-                  </a:schemeClr>
-                </a:solidFill>
-              </a:rPr>
-              <a:t>: merupakan navigasi web yang berisi tentang informasi tentang web</a:t>
-            </a:r>
-            <a:r>
-              <a:rPr lang="id-ID" b="1" dirty="0" smtClean="0">
-                <a:solidFill>
-                  <a:schemeClr val="accent1">
-                    <a:lumMod val="50000"/>
-                  </a:schemeClr>
-                </a:solidFill>
-              </a:rPr>
-              <a:t>.</a:t>
-            </a:r>
-            <a:endParaRPr lang="id-ID" b="1" dirty="0">
-              <a:solidFill>
-                <a:schemeClr val="accent1">
-                  <a:lumMod val="50000"/>
-                </a:schemeClr>
-              </a:solidFill>
-            </a:endParaRPr>
+              <a:t>About		 : merupakan navigasi web yang berisi tentang informasi tentang web.</a:t>
+            </a:r>
           </a:p>
           <a:p>
             <a:pPr algn="just"/>
@@ -4660,13 +4541,6 @@
   <p:clrMapOvr>
     <a:masterClrMapping/>
   </p:clrMapOvr>
-  <p:timing>
-    <p:tnLst>
-      <p:par>
-        <p:cTn id="1" dur="indefinite" restart="never" nodeType="tmRoot"/>
-      </p:par>
-    </p:tnLst>
-  </p:timing>
 </p:sld>
 </file>
 
@@ -4727,7 +4601,7 @@
               <a:buNone/>
             </a:pPr>
             <a:r>
-              <a:rPr lang="id-ID" sz="7200" dirty="0" smtClean="0">
+              <a:rPr lang="id-ID" sz="7200" dirty="0">
                 <a:solidFill>
                   <a:schemeClr val="accent1">
                     <a:lumMod val="60000"/>
@@ -4737,14 +4611,6 @@
               </a:rPr>
               <a:t>ARIGATOU GOZAIMASU</a:t>
             </a:r>
-            <a:endParaRPr lang="id-ID" sz="7200" dirty="0">
-              <a:solidFill>
-                <a:schemeClr val="accent1">
-                  <a:lumMod val="60000"/>
-                  <a:lumOff val="40000"/>
-                </a:schemeClr>
-              </a:solidFill>
-            </a:endParaRPr>
           </a:p>
         </p:txBody>
       </p:sp>
@@ -4758,13 +4624,6 @@
   <p:clrMapOvr>
     <a:masterClrMapping/>
   </p:clrMapOvr>
-  <p:timing>
-    <p:tnLst>
-      <p:par>
-        <p:cTn id="1" dur="indefinite" restart="never" nodeType="tmRoot"/>
-      </p:par>
-    </p:tnLst>
-  </p:timing>
 </p:sld>
 </file>
 

--- a/ppt/PETS ADOPTION.pptx
+++ b/ppt/PETS ADOPTION.pptx
@@ -3569,7 +3569,7 @@
                   </a:schemeClr>
                 </a:solidFill>
               </a:rPr>
-              <a:t>9243</a:t>
+              <a:t>9234</a:t>
             </a:r>
             <a:r>
               <a:rPr lang="id-ID" b="1" dirty="0">
@@ -3727,7 +3727,7 @@
               <a:t> (15.11.</a:t>
             </a:r>
             <a:r>
-              <a:rPr lang="en-US" b="1">
+              <a:rPr lang="en-US" b="1" dirty="0">
                 <a:solidFill>
                   <a:schemeClr val="accent1">
                     <a:lumMod val="50000"/>
@@ -3737,7 +3737,7 @@
               <a:t>9268</a:t>
             </a:r>
             <a:r>
-              <a:rPr lang="id-ID" b="1">
+              <a:rPr lang="id-ID" b="1" dirty="0">
                 <a:solidFill>
                   <a:schemeClr val="accent1">
                     <a:lumMod val="50000"/>
@@ -3746,13 +3746,6 @@
               </a:rPr>
               <a:t>)</a:t>
             </a:r>
-            <a:endParaRPr lang="id-ID" b="1" dirty="0">
-              <a:solidFill>
-                <a:schemeClr val="accent1">
-                  <a:lumMod val="50000"/>
-                </a:schemeClr>
-              </a:solidFill>
-            </a:endParaRPr>
           </a:p>
         </p:txBody>
       </p:sp>
